--- a/java/slides/ppt/00 - Java Course Introduction.pptx
+++ b/java/slides/ppt/00 - Java Course Introduction.pptx
@@ -228,7 +228,7 @@
           <a:p>
             <a:fld id="{5591E39A-28E5-5D4D-B97C-ECEB96F19817}" type="datetimeFigureOut">
               <a:rPr lang="en-IT" smtClean="0"/>
-              <a:t>30/09/21</a:t>
+              <a:t>13/02/22</a:t>
             </a:fld>
             <a:endParaRPr lang="en-IT"/>
           </a:p>
@@ -407,7 +407,7 @@
             <a:fld id="{BAEB7694-8561-4BE2-948D-EDF7A201F8BB}" type="datetimeFigureOut">
               <a:rPr lang="it-IT" smtClean="0"/>
               <a:pPr/>
-              <a:t>30/09/21</a:t>
+              <a:t>13/02/22</a:t>
             </a:fld>
             <a:endParaRPr lang="it-IT"/>
           </a:p>
@@ -3838,8 +3838,40 @@
           <a:p>
             <a:r>
               <a:rPr lang="en-US" dirty="0"/>
-              <a:t>Object-oriented programming (OOP) is a programming paradigm based on the concept of "objects", which can contain data and code: data in the form of fields (often known as attributes or properties), and code, in the form of procedures (often known as methods).</a:t>
-            </a:r>
+              <a:t>Object-oriented programming (OOP) is a programming paradigm based on the concept of class </a:t>
+            </a:r>
+            <a:r>
+              <a:rPr lang="en-US" i="1" dirty="0"/>
+              <a:t>objects</a:t>
+            </a:r>
+            <a:r>
+              <a:rPr lang="en-US" dirty="0"/>
+              <a:t>, which can contain both data and code</a:t>
+            </a:r>
+          </a:p>
+          <a:p>
+            <a:pPr lvl="1"/>
+            <a:r>
+              <a:rPr lang="en-US" dirty="0"/>
+              <a:t>Data in the form of variables (known as attributes)</a:t>
+            </a:r>
+          </a:p>
+          <a:p>
+            <a:pPr lvl="1"/>
+            <a:r>
+              <a:rPr lang="en-US" dirty="0"/>
+              <a:t>Code in the form of functions (known as methods)</a:t>
+            </a:r>
+          </a:p>
+          <a:p>
+            <a:r>
+              <a:rPr lang="en-US" dirty="0"/>
+              <a:t>Java and Python are among the most prominent languages in the field</a:t>
+            </a:r>
+            <a:endParaRPr lang="en-US" i="1" dirty="0"/>
+          </a:p>
+          <a:p>
+            <a:endParaRPr lang="en-US" dirty="0"/>
           </a:p>
           <a:p>
             <a:endParaRPr lang="en-US" dirty="0"/>
@@ -4237,6 +4269,24 @@
           </a:bodyPr>
           <a:lstStyle/>
           <a:p>
+            <a:r>
+              <a:rPr lang="en-US" dirty="0"/>
+              <a:t>Thursday 9.15 - 10.45</a:t>
+            </a:r>
+          </a:p>
+          <a:p>
+            <a:r>
+              <a:rPr lang="en-US" dirty="0"/>
+              <a:t>Thursday 11.15 - 13.00</a:t>
+            </a:r>
+          </a:p>
+          <a:p>
+            <a:r>
+              <a:rPr lang="en-US" dirty="0"/>
+              <a:t>Friday 13 - 16 (Lab)</a:t>
+            </a:r>
+          </a:p>
+          <a:p>
             <a:endParaRPr lang="en-US" dirty="0"/>
           </a:p>
         </p:txBody>
@@ -4349,12 +4399,6 @@
           <a:lstStyle/>
           <a:p>
             <a:r>
-              <a:rPr lang="en-GB" dirty="0"/>
-              <a:t>Yes, there will be a final examination</a:t>
-            </a:r>
-          </a:p>
-          <a:p>
-            <a:r>
               <a:rPr lang="it-IT" dirty="0" err="1"/>
               <a:t>Oral</a:t>
             </a:r>
@@ -4466,7 +4510,7 @@
             </a:r>
             <a:r>
               <a:rPr lang="it-IT" dirty="0"/>
-              <a:t> of a home </a:t>
+              <a:t> of the home </a:t>
             </a:r>
             <a:r>
               <a:rPr lang="it-IT" dirty="0" err="1"/>
@@ -4490,15 +4534,7 @@
             </a:r>
             <a:r>
               <a:rPr lang="it-IT" dirty="0"/>
-              <a:t>  (1000-5000 source </a:t>
-            </a:r>
-            <a:r>
-              <a:rPr lang="it-IT" dirty="0" err="1"/>
-              <a:t>lines</a:t>
-            </a:r>
-            <a:r>
-              <a:rPr lang="it-IT" dirty="0"/>
-              <a:t> of code)</a:t>
+              <a:t>  (1000-5000 SLOC)</a:t>
             </a:r>
           </a:p>
           <a:p>

--- a/java/slides/ppt/00 - Java Course Introduction.pptx
+++ b/java/slides/ppt/00 - Java Course Introduction.pptx
@@ -5,10 +5,10 @@
     <p:sldMasterId id="2147483672" r:id="rId1"/>
   </p:sldMasterIdLst>
   <p:notesMasterIdLst>
-    <p:notesMasterId r:id="rId8"/>
+    <p:notesMasterId r:id="rId15"/>
   </p:notesMasterIdLst>
   <p:handoutMasterIdLst>
-    <p:handoutMasterId r:id="rId9"/>
+    <p:handoutMasterId r:id="rId16"/>
   </p:handoutMasterIdLst>
   <p:sldIdLst>
     <p:sldId id="256" r:id="rId2"/>
@@ -17,6 +17,13 @@
     <p:sldId id="260" r:id="rId5"/>
     <p:sldId id="258" r:id="rId6"/>
     <p:sldId id="261" r:id="rId7"/>
+    <p:sldId id="272" r:id="rId8"/>
+    <p:sldId id="439" r:id="rId9"/>
+    <p:sldId id="437" r:id="rId10"/>
+    <p:sldId id="435" r:id="rId11"/>
+    <p:sldId id="436" r:id="rId12"/>
+    <p:sldId id="441" r:id="rId13"/>
+    <p:sldId id="438" r:id="rId14"/>
   </p:sldIdLst>
   <p:sldSz cx="12192000" cy="6858000"/>
   <p:notesSz cx="6858000" cy="9144000"/>
@@ -228,7 +235,7 @@
           <a:p>
             <a:fld id="{5591E39A-28E5-5D4D-B97C-ECEB96F19817}" type="datetimeFigureOut">
               <a:rPr lang="en-IT" smtClean="0"/>
-              <a:t>13/02/22</a:t>
+              <a:t>02/03/22</a:t>
             </a:fld>
             <a:endParaRPr lang="en-IT"/>
           </a:p>
@@ -407,7 +414,7 @@
             <a:fld id="{BAEB7694-8561-4BE2-948D-EDF7A201F8BB}" type="datetimeFigureOut">
               <a:rPr lang="it-IT" smtClean="0"/>
               <a:pPr/>
-              <a:t>13/02/22</a:t>
+              <a:t>02/03/22</a:t>
             </a:fld>
             <a:endParaRPr lang="it-IT"/>
           </a:p>
@@ -754,6 +761,91 @@
     <p:extLst>
       <p:ext uri="{BB962C8B-B14F-4D97-AF65-F5344CB8AC3E}">
         <p14:creationId xmlns:p14="http://schemas.microsoft.com/office/powerpoint/2010/main" val="429849664"/>
+      </p:ext>
+    </p:extLst>
+  </p:cSld>
+  <p:clrMapOvr>
+    <a:masterClrMapping/>
+  </p:clrMapOvr>
+</p:notes>
+</file>
+
+<file path=ppt/notesSlides/notesSlide2.xml><?xml version="1.0" encoding="utf-8"?>
+<p:notes xmlns:a="http://schemas.openxmlformats.org/drawingml/2006/main" xmlns:r="http://schemas.openxmlformats.org/officeDocument/2006/relationships" xmlns:p="http://schemas.openxmlformats.org/presentationml/2006/main">
+  <p:cSld>
+    <p:spTree>
+      <p:nvGrpSpPr>
+        <p:cNvPr id="1" name=""/>
+        <p:cNvGrpSpPr/>
+        <p:nvPr/>
+      </p:nvGrpSpPr>
+      <p:grpSpPr>
+        <a:xfrm>
+          <a:off x="0" y="0"/>
+          <a:ext cx="0" cy="0"/>
+          <a:chOff x="0" y="0"/>
+          <a:chExt cx="0" cy="0"/>
+        </a:xfrm>
+      </p:grpSpPr>
+      <p:sp>
+        <p:nvSpPr>
+          <p:cNvPr id="2" name="Slide Image Placeholder 1"/>
+          <p:cNvSpPr>
+            <a:spLocks noGrp="1" noRot="1" noChangeAspect="1"/>
+          </p:cNvSpPr>
+          <p:nvPr>
+            <p:ph type="sldImg"/>
+          </p:nvPr>
+        </p:nvSpPr>
+        <p:spPr/>
+      </p:sp>
+      <p:sp>
+        <p:nvSpPr>
+          <p:cNvPr id="3" name="Notes Placeholder 2"/>
+          <p:cNvSpPr>
+            <a:spLocks noGrp="1"/>
+          </p:cNvSpPr>
+          <p:nvPr>
+            <p:ph type="body" idx="1"/>
+          </p:nvPr>
+        </p:nvSpPr>
+        <p:spPr/>
+        <p:txBody>
+          <a:bodyPr/>
+          <a:lstStyle/>
+          <a:p>
+            <a:endParaRPr lang="en-IT" dirty="0"/>
+          </a:p>
+        </p:txBody>
+      </p:sp>
+      <p:sp>
+        <p:nvSpPr>
+          <p:cNvPr id="4" name="Slide Number Placeholder 3"/>
+          <p:cNvSpPr>
+            <a:spLocks noGrp="1"/>
+          </p:cNvSpPr>
+          <p:nvPr>
+            <p:ph type="sldNum" sz="quarter" idx="5"/>
+          </p:nvPr>
+        </p:nvSpPr>
+        <p:spPr/>
+        <p:txBody>
+          <a:bodyPr/>
+          <a:lstStyle/>
+          <a:p>
+            <a:fld id="{475F0E4F-C068-4558-BD2C-4354A8A0FB1B}" type="slidenum">
+              <a:rPr lang="it-IT" smtClean="0"/>
+              <a:pPr/>
+              <a:t>4</a:t>
+            </a:fld>
+            <a:endParaRPr lang="it-IT"/>
+          </a:p>
+        </p:txBody>
+      </p:sp>
+    </p:spTree>
+    <p:extLst>
+      <p:ext uri="{BB962C8B-B14F-4D97-AF65-F5344CB8AC3E}">
+        <p14:creationId xmlns:p14="http://schemas.microsoft.com/office/powerpoint/2010/main" val="3176824588"/>
       </p:ext>
     </p:extLst>
   </p:cSld>
@@ -3782,6 +3874,655 @@
 </p:sld>
 </file>
 
+<file path=ppt/slides/slide10.xml><?xml version="1.0" encoding="utf-8"?>
+<p:sld xmlns:a="http://schemas.openxmlformats.org/drawingml/2006/main" xmlns:r="http://schemas.openxmlformats.org/officeDocument/2006/relationships" xmlns:p="http://schemas.openxmlformats.org/presentationml/2006/main">
+  <p:cSld>
+    <p:spTree>
+      <p:nvGrpSpPr>
+        <p:cNvPr id="1" name=""/>
+        <p:cNvGrpSpPr/>
+        <p:nvPr/>
+      </p:nvGrpSpPr>
+      <p:grpSpPr>
+        <a:xfrm>
+          <a:off x="0" y="0"/>
+          <a:ext cx="0" cy="0"/>
+          <a:chOff x="0" y="0"/>
+          <a:chExt cx="0" cy="0"/>
+        </a:xfrm>
+      </p:grpSpPr>
+      <p:sp>
+        <p:nvSpPr>
+          <p:cNvPr id="2" name="Title 1">
+            <a:extLst>
+              <a:ext uri="{FF2B5EF4-FFF2-40B4-BE49-F238E27FC236}">
+                <a16:creationId xmlns:a16="http://schemas.microsoft.com/office/drawing/2014/main" id="{6CB6257B-BB9F-9D41-BC8A-CB5CE5040AC4}"/>
+              </a:ext>
+            </a:extLst>
+          </p:cNvPr>
+          <p:cNvSpPr>
+            <a:spLocks noGrp="1"/>
+          </p:cNvSpPr>
+          <p:nvPr>
+            <p:ph type="title"/>
+          </p:nvPr>
+        </p:nvSpPr>
+        <p:spPr/>
+        <p:txBody>
+          <a:bodyPr>
+            <a:noAutofit/>
+          </a:bodyPr>
+          <a:lstStyle/>
+          <a:p>
+            <a:r>
+              <a:rPr lang="en-IT" sz="3200" dirty="0"/>
+              <a:t>Preferences -&gt; Build, Execution, Deployment -&gt; Gradle</a:t>
+            </a:r>
+          </a:p>
+        </p:txBody>
+      </p:sp>
+      <p:sp>
+        <p:nvSpPr>
+          <p:cNvPr id="4" name="Slide Number Placeholder 3">
+            <a:extLst>
+              <a:ext uri="{FF2B5EF4-FFF2-40B4-BE49-F238E27FC236}">
+                <a16:creationId xmlns:a16="http://schemas.microsoft.com/office/drawing/2014/main" id="{632EAFCA-3A59-E344-8F99-DA30FDDAB4C2}"/>
+              </a:ext>
+            </a:extLst>
+          </p:cNvPr>
+          <p:cNvSpPr>
+            <a:spLocks noGrp="1"/>
+          </p:cNvSpPr>
+          <p:nvPr>
+            <p:ph type="sldNum" sz="quarter" idx="12"/>
+          </p:nvPr>
+        </p:nvSpPr>
+        <p:spPr/>
+        <p:txBody>
+          <a:bodyPr/>
+          <a:lstStyle/>
+          <a:p>
+            <a:fld id="{D2040F39-7941-49A4-B48D-F201B18B6351}" type="slidenum">
+              <a:rPr lang="it-IT" smtClean="0"/>
+              <a:pPr/>
+              <a:t>10</a:t>
+            </a:fld>
+            <a:endParaRPr lang="it-IT" dirty="0"/>
+          </a:p>
+        </p:txBody>
+      </p:sp>
+      <p:sp>
+        <p:nvSpPr>
+          <p:cNvPr id="15" name="Content Placeholder 14">
+            <a:extLst>
+              <a:ext uri="{FF2B5EF4-FFF2-40B4-BE49-F238E27FC236}">
+                <a16:creationId xmlns:a16="http://schemas.microsoft.com/office/drawing/2014/main" id="{B52EA1F4-D218-0542-A46D-B6DA50519E4C}"/>
+              </a:ext>
+            </a:extLst>
+          </p:cNvPr>
+          <p:cNvSpPr>
+            <a:spLocks noGrp="1"/>
+          </p:cNvSpPr>
+          <p:nvPr>
+            <p:ph sz="half" idx="1"/>
+          </p:nvPr>
+        </p:nvSpPr>
+        <p:spPr/>
+        <p:txBody>
+          <a:bodyPr/>
+          <a:lstStyle/>
+          <a:p>
+            <a:r>
+              <a:rPr lang="en-IT" dirty="0"/>
+              <a:t>Build and run using: Gradle</a:t>
+            </a:r>
+          </a:p>
+          <a:p>
+            <a:r>
+              <a:rPr lang="en-IT" dirty="0"/>
+              <a:t>Run tests using: Gradle</a:t>
+            </a:r>
+          </a:p>
+          <a:p>
+            <a:r>
+              <a:rPr lang="en-IT" dirty="0"/>
+              <a:t>Gradle JVM: openjdk-17</a:t>
+            </a:r>
+          </a:p>
+        </p:txBody>
+      </p:sp>
+      <p:pic>
+        <p:nvPicPr>
+          <p:cNvPr id="16" name="Content Placeholder 11">
+            <a:extLst>
+              <a:ext uri="{FF2B5EF4-FFF2-40B4-BE49-F238E27FC236}">
+                <a16:creationId xmlns:a16="http://schemas.microsoft.com/office/drawing/2014/main" id="{2DD790A1-87E6-3D4F-B590-E4C70BB4C04F}"/>
+              </a:ext>
+            </a:extLst>
+          </p:cNvPr>
+          <p:cNvPicPr>
+            <a:picLocks noGrp="1" noChangeAspect="1"/>
+          </p:cNvPicPr>
+          <p:nvPr>
+            <p:ph sz="half" idx="2"/>
+          </p:nvPr>
+        </p:nvPicPr>
+        <p:blipFill>
+          <a:blip r:embed="rId2">
+            <a:extLst>
+              <a:ext uri="{28A0092B-C50C-407E-A947-70E740481C1C}">
+                <a14:useLocalDpi xmlns:a14="http://schemas.microsoft.com/office/drawing/2010/main" val="0"/>
+              </a:ext>
+            </a:extLst>
+          </a:blip>
+          <a:stretch>
+            <a:fillRect/>
+          </a:stretch>
+        </p:blipFill>
+        <p:spPr>
+          <a:xfrm>
+            <a:off x="6197600" y="1960971"/>
+            <a:ext cx="5384800" cy="3804421"/>
+          </a:xfrm>
+        </p:spPr>
+      </p:pic>
+    </p:spTree>
+    <p:extLst>
+      <p:ext uri="{BB962C8B-B14F-4D97-AF65-F5344CB8AC3E}">
+        <p14:creationId xmlns:p14="http://schemas.microsoft.com/office/powerpoint/2010/main" val="370769974"/>
+      </p:ext>
+    </p:extLst>
+  </p:cSld>
+  <p:clrMapOvr>
+    <a:masterClrMapping/>
+  </p:clrMapOvr>
+</p:sld>
+</file>
+
+<file path=ppt/slides/slide11.xml><?xml version="1.0" encoding="utf-8"?>
+<p:sld xmlns:a="http://schemas.openxmlformats.org/drawingml/2006/main" xmlns:r="http://schemas.openxmlformats.org/officeDocument/2006/relationships" xmlns:p="http://schemas.openxmlformats.org/presentationml/2006/main">
+  <p:cSld>
+    <p:spTree>
+      <p:nvGrpSpPr>
+        <p:cNvPr id="1" name=""/>
+        <p:cNvGrpSpPr/>
+        <p:nvPr/>
+      </p:nvGrpSpPr>
+      <p:grpSpPr>
+        <a:xfrm>
+          <a:off x="0" y="0"/>
+          <a:ext cx="0" cy="0"/>
+          <a:chOff x="0" y="0"/>
+          <a:chExt cx="0" cy="0"/>
+        </a:xfrm>
+      </p:grpSpPr>
+      <p:sp>
+        <p:nvSpPr>
+          <p:cNvPr id="2" name="Title 1">
+            <a:extLst>
+              <a:ext uri="{FF2B5EF4-FFF2-40B4-BE49-F238E27FC236}">
+                <a16:creationId xmlns:a16="http://schemas.microsoft.com/office/drawing/2014/main" id="{6703E77D-7495-AE4F-8E61-56F58BF97C27}"/>
+              </a:ext>
+            </a:extLst>
+          </p:cNvPr>
+          <p:cNvSpPr>
+            <a:spLocks noGrp="1"/>
+          </p:cNvSpPr>
+          <p:nvPr>
+            <p:ph type="title"/>
+          </p:nvPr>
+        </p:nvSpPr>
+        <p:spPr/>
+        <p:txBody>
+          <a:bodyPr>
+            <a:normAutofit/>
+          </a:bodyPr>
+          <a:lstStyle/>
+          <a:p>
+            <a:r>
+              <a:rPr lang="en-IT" sz="3200" dirty="0"/>
+              <a:t>Preferences -&gt; Build, Execution, Deployment -&gt; Java Compiler</a:t>
+            </a:r>
+          </a:p>
+        </p:txBody>
+      </p:sp>
+      <p:sp>
+        <p:nvSpPr>
+          <p:cNvPr id="4" name="Slide Number Placeholder 3">
+            <a:extLst>
+              <a:ext uri="{FF2B5EF4-FFF2-40B4-BE49-F238E27FC236}">
+                <a16:creationId xmlns:a16="http://schemas.microsoft.com/office/drawing/2014/main" id="{3CEFF444-9690-8445-A72B-DC530286086C}"/>
+              </a:ext>
+            </a:extLst>
+          </p:cNvPr>
+          <p:cNvSpPr>
+            <a:spLocks noGrp="1"/>
+          </p:cNvSpPr>
+          <p:nvPr>
+            <p:ph type="sldNum" sz="quarter" idx="12"/>
+          </p:nvPr>
+        </p:nvSpPr>
+        <p:spPr/>
+        <p:txBody>
+          <a:bodyPr/>
+          <a:lstStyle/>
+          <a:p>
+            <a:fld id="{D2040F39-7941-49A4-B48D-F201B18B6351}" type="slidenum">
+              <a:rPr lang="it-IT" smtClean="0"/>
+              <a:pPr/>
+              <a:t>11</a:t>
+            </a:fld>
+            <a:endParaRPr lang="it-IT" dirty="0"/>
+          </a:p>
+        </p:txBody>
+      </p:sp>
+      <p:sp>
+        <p:nvSpPr>
+          <p:cNvPr id="9" name="Content Placeholder 8">
+            <a:extLst>
+              <a:ext uri="{FF2B5EF4-FFF2-40B4-BE49-F238E27FC236}">
+                <a16:creationId xmlns:a16="http://schemas.microsoft.com/office/drawing/2014/main" id="{0ED732DF-EF0B-174C-A8FC-A578C87949C2}"/>
+              </a:ext>
+            </a:extLst>
+          </p:cNvPr>
+          <p:cNvSpPr>
+            <a:spLocks noGrp="1"/>
+          </p:cNvSpPr>
+          <p:nvPr>
+            <p:ph sz="half" idx="1"/>
+          </p:nvPr>
+        </p:nvSpPr>
+        <p:spPr/>
+        <p:txBody>
+          <a:bodyPr/>
+          <a:lstStyle/>
+          <a:p>
+            <a:r>
+              <a:rPr lang="en-IT" dirty="0"/>
+              <a:t>Use compiler: Javac</a:t>
+            </a:r>
+          </a:p>
+          <a:p>
+            <a:r>
+              <a:rPr lang="en-IT" dirty="0"/>
+              <a:t>Target bytecode version: 17</a:t>
+            </a:r>
+          </a:p>
+        </p:txBody>
+      </p:sp>
+      <p:pic>
+        <p:nvPicPr>
+          <p:cNvPr id="10" name="Content Placeholder 5">
+            <a:extLst>
+              <a:ext uri="{FF2B5EF4-FFF2-40B4-BE49-F238E27FC236}">
+                <a16:creationId xmlns:a16="http://schemas.microsoft.com/office/drawing/2014/main" id="{953792B8-134D-0F49-9A34-BCCCFF72B095}"/>
+              </a:ext>
+            </a:extLst>
+          </p:cNvPr>
+          <p:cNvPicPr>
+            <a:picLocks noGrp="1" noChangeAspect="1"/>
+          </p:cNvPicPr>
+          <p:nvPr>
+            <p:ph sz="half" idx="2"/>
+          </p:nvPr>
+        </p:nvPicPr>
+        <p:blipFill>
+          <a:blip r:embed="rId2">
+            <a:extLst>
+              <a:ext uri="{28A0092B-C50C-407E-A947-70E740481C1C}">
+                <a14:useLocalDpi xmlns:a14="http://schemas.microsoft.com/office/drawing/2010/main" val="0"/>
+              </a:ext>
+            </a:extLst>
+          </a:blip>
+          <a:stretch>
+            <a:fillRect/>
+          </a:stretch>
+        </p:blipFill>
+        <p:spPr>
+          <a:xfrm>
+            <a:off x="6197600" y="1967958"/>
+            <a:ext cx="5384800" cy="3790446"/>
+          </a:xfrm>
+        </p:spPr>
+      </p:pic>
+    </p:spTree>
+    <p:extLst>
+      <p:ext uri="{BB962C8B-B14F-4D97-AF65-F5344CB8AC3E}">
+        <p14:creationId xmlns:p14="http://schemas.microsoft.com/office/powerpoint/2010/main" val="1189155000"/>
+      </p:ext>
+    </p:extLst>
+  </p:cSld>
+  <p:clrMapOvr>
+    <a:masterClrMapping/>
+  </p:clrMapOvr>
+</p:sld>
+</file>
+
+<file path=ppt/slides/slide12.xml><?xml version="1.0" encoding="utf-8"?>
+<p:sld xmlns:a="http://schemas.openxmlformats.org/drawingml/2006/main" xmlns:r="http://schemas.openxmlformats.org/officeDocument/2006/relationships" xmlns:p="http://schemas.openxmlformats.org/presentationml/2006/main">
+  <p:cSld>
+    <p:spTree>
+      <p:nvGrpSpPr>
+        <p:cNvPr id="1" name=""/>
+        <p:cNvGrpSpPr/>
+        <p:nvPr/>
+      </p:nvGrpSpPr>
+      <p:grpSpPr>
+        <a:xfrm>
+          <a:off x="0" y="0"/>
+          <a:ext cx="0" cy="0"/>
+          <a:chOff x="0" y="0"/>
+          <a:chExt cx="0" cy="0"/>
+        </a:xfrm>
+      </p:grpSpPr>
+      <p:sp>
+        <p:nvSpPr>
+          <p:cNvPr id="2" name="Title 1">
+            <a:extLst>
+              <a:ext uri="{FF2B5EF4-FFF2-40B4-BE49-F238E27FC236}">
+                <a16:creationId xmlns:a16="http://schemas.microsoft.com/office/drawing/2014/main" id="{6703E77D-7495-AE4F-8E61-56F58BF97C27}"/>
+              </a:ext>
+            </a:extLst>
+          </p:cNvPr>
+          <p:cNvSpPr>
+            <a:spLocks noGrp="1"/>
+          </p:cNvSpPr>
+          <p:nvPr>
+            <p:ph type="title"/>
+          </p:nvPr>
+        </p:nvSpPr>
+        <p:spPr/>
+        <p:txBody>
+          <a:bodyPr>
+            <a:normAutofit/>
+          </a:bodyPr>
+          <a:lstStyle/>
+          <a:p>
+            <a:r>
+              <a:rPr lang="en-IT" sz="3200" dirty="0"/>
+              <a:t>Preferences -&gt; Build, Execution, Deployment -&gt; Java Compiler</a:t>
+            </a:r>
+          </a:p>
+        </p:txBody>
+      </p:sp>
+      <p:pic>
+        <p:nvPicPr>
+          <p:cNvPr id="12" name="Content Placeholder 11">
+            <a:extLst>
+              <a:ext uri="{FF2B5EF4-FFF2-40B4-BE49-F238E27FC236}">
+                <a16:creationId xmlns:a16="http://schemas.microsoft.com/office/drawing/2014/main" id="{A8B6DA40-A07F-E848-8725-3C3473D91E12}"/>
+              </a:ext>
+            </a:extLst>
+          </p:cNvPr>
+          <p:cNvPicPr>
+            <a:picLocks noGrp="1" noChangeAspect="1"/>
+          </p:cNvPicPr>
+          <p:nvPr>
+            <p:ph idx="1"/>
+          </p:nvPr>
+        </p:nvPicPr>
+        <p:blipFill>
+          <a:blip r:embed="rId2">
+            <a:extLst>
+              <a:ext uri="{28A0092B-C50C-407E-A947-70E740481C1C}">
+                <a14:useLocalDpi xmlns:a14="http://schemas.microsoft.com/office/drawing/2010/main" val="0"/>
+              </a:ext>
+            </a:extLst>
+          </a:blip>
+          <a:stretch>
+            <a:fillRect/>
+          </a:stretch>
+        </p:blipFill>
+        <p:spPr>
+          <a:xfrm>
+            <a:off x="609600" y="1641951"/>
+            <a:ext cx="10972800" cy="4442460"/>
+          </a:xfrm>
+        </p:spPr>
+      </p:pic>
+      <p:sp>
+        <p:nvSpPr>
+          <p:cNvPr id="4" name="Slide Number Placeholder 3">
+            <a:extLst>
+              <a:ext uri="{FF2B5EF4-FFF2-40B4-BE49-F238E27FC236}">
+                <a16:creationId xmlns:a16="http://schemas.microsoft.com/office/drawing/2014/main" id="{3CEFF444-9690-8445-A72B-DC530286086C}"/>
+              </a:ext>
+            </a:extLst>
+          </p:cNvPr>
+          <p:cNvSpPr>
+            <a:spLocks noGrp="1"/>
+          </p:cNvSpPr>
+          <p:nvPr>
+            <p:ph type="sldNum" sz="quarter" idx="12"/>
+          </p:nvPr>
+        </p:nvSpPr>
+        <p:spPr/>
+        <p:txBody>
+          <a:bodyPr/>
+          <a:lstStyle/>
+          <a:p>
+            <a:fld id="{D2040F39-7941-49A4-B48D-F201B18B6351}" type="slidenum">
+              <a:rPr lang="it-IT" smtClean="0"/>
+              <a:pPr/>
+              <a:t>12</a:t>
+            </a:fld>
+            <a:endParaRPr lang="it-IT" dirty="0"/>
+          </a:p>
+        </p:txBody>
+      </p:sp>
+      <p:cxnSp>
+        <p:nvCxnSpPr>
+          <p:cNvPr id="14" name="Straight Arrow Connector 13">
+            <a:extLst>
+              <a:ext uri="{FF2B5EF4-FFF2-40B4-BE49-F238E27FC236}">
+                <a16:creationId xmlns:a16="http://schemas.microsoft.com/office/drawing/2014/main" id="{11B04509-EB4A-9B49-BE0B-D2CACCC26C2D}"/>
+              </a:ext>
+            </a:extLst>
+          </p:cNvPr>
+          <p:cNvCxnSpPr>
+            <a:cxnSpLocks/>
+          </p:cNvCxnSpPr>
+          <p:nvPr/>
+        </p:nvCxnSpPr>
+        <p:spPr>
+          <a:xfrm flipV="1">
+            <a:off x="8904312" y="2708920"/>
+            <a:ext cx="0" cy="2016224"/>
+          </a:xfrm>
+          <a:prstGeom prst="straightConnector1">
+            <a:avLst/>
+          </a:prstGeom>
+          <a:ln w="9525" cap="flat" cmpd="sng" algn="ctr">
+            <a:solidFill>
+              <a:schemeClr val="accent6"/>
+            </a:solidFill>
+            <a:prstDash val="solid"/>
+            <a:round/>
+            <a:headEnd type="none" w="med" len="med"/>
+            <a:tailEnd type="arrow" w="med" len="med"/>
+          </a:ln>
+        </p:spPr>
+        <p:style>
+          <a:lnRef idx="0">
+            <a:scrgbClr r="0" g="0" b="0"/>
+          </a:lnRef>
+          <a:fillRef idx="0">
+            <a:scrgbClr r="0" g="0" b="0"/>
+          </a:fillRef>
+          <a:effectRef idx="0">
+            <a:scrgbClr r="0" g="0" b="0"/>
+          </a:effectRef>
+          <a:fontRef idx="minor">
+            <a:schemeClr val="tx1"/>
+          </a:fontRef>
+        </p:style>
+      </p:cxnSp>
+    </p:spTree>
+    <p:extLst>
+      <p:ext uri="{BB962C8B-B14F-4D97-AF65-F5344CB8AC3E}">
+        <p14:creationId xmlns:p14="http://schemas.microsoft.com/office/powerpoint/2010/main" val="1703021293"/>
+      </p:ext>
+    </p:extLst>
+  </p:cSld>
+  <p:clrMapOvr>
+    <a:masterClrMapping/>
+  </p:clrMapOvr>
+</p:sld>
+</file>
+
+<file path=ppt/slides/slide13.xml><?xml version="1.0" encoding="utf-8"?>
+<p:sld xmlns:a="http://schemas.openxmlformats.org/drawingml/2006/main" xmlns:r="http://schemas.openxmlformats.org/officeDocument/2006/relationships" xmlns:p="http://schemas.openxmlformats.org/presentationml/2006/main">
+  <p:cSld>
+    <p:spTree>
+      <p:nvGrpSpPr>
+        <p:cNvPr id="1" name=""/>
+        <p:cNvGrpSpPr/>
+        <p:nvPr/>
+      </p:nvGrpSpPr>
+      <p:grpSpPr>
+        <a:xfrm>
+          <a:off x="0" y="0"/>
+          <a:ext cx="0" cy="0"/>
+          <a:chOff x="0" y="0"/>
+          <a:chExt cx="0" cy="0"/>
+        </a:xfrm>
+      </p:grpSpPr>
+      <p:sp>
+        <p:nvSpPr>
+          <p:cNvPr id="2" name="Title 1">
+            <a:extLst>
+              <a:ext uri="{FF2B5EF4-FFF2-40B4-BE49-F238E27FC236}">
+                <a16:creationId xmlns:a16="http://schemas.microsoft.com/office/drawing/2014/main" id="{EC497333-5DE6-5C45-9ABA-1C2AE842E3F0}"/>
+              </a:ext>
+            </a:extLst>
+          </p:cNvPr>
+          <p:cNvSpPr>
+            <a:spLocks noGrp="1"/>
+          </p:cNvSpPr>
+          <p:nvPr>
+            <p:ph type="title"/>
+          </p:nvPr>
+        </p:nvSpPr>
+        <p:spPr/>
+        <p:txBody>
+          <a:bodyPr>
+            <a:normAutofit/>
+          </a:bodyPr>
+          <a:lstStyle/>
+          <a:p>
+            <a:r>
+              <a:rPr lang="en-IT" sz="3200" dirty="0"/>
+              <a:t>Preferences -&gt; Editor -&gt; Code Style -&gt; Java</a:t>
+            </a:r>
+          </a:p>
+        </p:txBody>
+      </p:sp>
+      <p:sp>
+        <p:nvSpPr>
+          <p:cNvPr id="9" name="Content Placeholder 8">
+            <a:extLst>
+              <a:ext uri="{FF2B5EF4-FFF2-40B4-BE49-F238E27FC236}">
+                <a16:creationId xmlns:a16="http://schemas.microsoft.com/office/drawing/2014/main" id="{75BB384B-2E02-EC4D-BD66-26180842021E}"/>
+              </a:ext>
+            </a:extLst>
+          </p:cNvPr>
+          <p:cNvSpPr>
+            <a:spLocks noGrp="1"/>
+          </p:cNvSpPr>
+          <p:nvPr>
+            <p:ph sz="half" idx="1"/>
+          </p:nvPr>
+        </p:nvSpPr>
+        <p:spPr/>
+        <p:txBody>
+          <a:bodyPr/>
+          <a:lstStyle/>
+          <a:p>
+            <a:r>
+              <a:rPr lang="en-IT" dirty="0"/>
+              <a:t>Import intellijOOP.xml (located in ooprogramming/java)</a:t>
+            </a:r>
+          </a:p>
+        </p:txBody>
+      </p:sp>
+      <p:sp>
+        <p:nvSpPr>
+          <p:cNvPr id="4" name="Slide Number Placeholder 3">
+            <a:extLst>
+              <a:ext uri="{FF2B5EF4-FFF2-40B4-BE49-F238E27FC236}">
+                <a16:creationId xmlns:a16="http://schemas.microsoft.com/office/drawing/2014/main" id="{D855CB53-38AF-534B-AEF6-5EA91685479E}"/>
+              </a:ext>
+            </a:extLst>
+          </p:cNvPr>
+          <p:cNvSpPr>
+            <a:spLocks noGrp="1"/>
+          </p:cNvSpPr>
+          <p:nvPr>
+            <p:ph type="sldNum" sz="quarter" idx="12"/>
+          </p:nvPr>
+        </p:nvSpPr>
+        <p:spPr/>
+        <p:txBody>
+          <a:bodyPr/>
+          <a:lstStyle/>
+          <a:p>
+            <a:fld id="{D2040F39-7941-49A4-B48D-F201B18B6351}" type="slidenum">
+              <a:rPr lang="it-IT" smtClean="0"/>
+              <a:pPr/>
+              <a:t>13</a:t>
+            </a:fld>
+            <a:endParaRPr lang="it-IT" dirty="0"/>
+          </a:p>
+        </p:txBody>
+      </p:sp>
+      <p:pic>
+        <p:nvPicPr>
+          <p:cNvPr id="11" name="Content Placeholder 5">
+            <a:extLst>
+              <a:ext uri="{FF2B5EF4-FFF2-40B4-BE49-F238E27FC236}">
+                <a16:creationId xmlns:a16="http://schemas.microsoft.com/office/drawing/2014/main" id="{858AD3B5-0DA9-B84C-BFBC-CB0A1E59A6EF}"/>
+              </a:ext>
+            </a:extLst>
+          </p:cNvPr>
+          <p:cNvPicPr>
+            <a:picLocks noGrp="1" noChangeAspect="1"/>
+          </p:cNvPicPr>
+          <p:nvPr>
+            <p:ph sz="half" idx="2"/>
+          </p:nvPr>
+        </p:nvPicPr>
+        <p:blipFill>
+          <a:blip r:embed="rId2">
+            <a:extLst>
+              <a:ext uri="{28A0092B-C50C-407E-A947-70E740481C1C}">
+                <a14:useLocalDpi xmlns:a14="http://schemas.microsoft.com/office/drawing/2010/main" val="0"/>
+              </a:ext>
+            </a:extLst>
+          </a:blip>
+          <a:stretch>
+            <a:fillRect/>
+          </a:stretch>
+        </p:blipFill>
+        <p:spPr>
+          <a:xfrm>
+            <a:off x="6197600" y="1973824"/>
+            <a:ext cx="5384800" cy="3778715"/>
+          </a:xfrm>
+        </p:spPr>
+      </p:pic>
+    </p:spTree>
+    <p:extLst>
+      <p:ext uri="{BB962C8B-B14F-4D97-AF65-F5344CB8AC3E}">
+        <p14:creationId xmlns:p14="http://schemas.microsoft.com/office/powerpoint/2010/main" val="2207339735"/>
+      </p:ext>
+    </p:extLst>
+  </p:cSld>
+  <p:clrMapOvr>
+    <a:masterClrMapping/>
+  </p:clrMapOvr>
+</p:sld>
+</file>
+
 <file path=ppt/slides/slide2.xml><?xml version="1.0" encoding="utf-8"?>
 <p:sld xmlns:a="http://schemas.openxmlformats.org/drawingml/2006/main" xmlns:r="http://schemas.openxmlformats.org/officeDocument/2006/relationships" xmlns:p="http://schemas.openxmlformats.org/presentationml/2006/main">
   <p:cSld>
@@ -4138,12 +4879,24 @@
             <a:pPr marL="0" indent="0" algn="ctr">
               <a:buNone/>
             </a:pPr>
+            <a:r>
+              <a:rPr lang="en-US" sz="4800" dirty="0">
+                <a:hlinkClick r:id="rId3"/>
+              </a:rPr>
+              <a:t>https://github.com/nbicocchi</a:t>
+            </a:r>
             <a:endParaRPr lang="en-US" sz="4800" dirty="0"/>
           </a:p>
           <a:p>
             <a:pPr marL="0" indent="0" algn="ctr">
               <a:buNone/>
             </a:pPr>
+            <a:r>
+              <a:rPr lang="en-US" sz="4800" dirty="0">
+                <a:hlinkClick r:id="rId4"/>
+              </a:rPr>
+              <a:t>https://www.jetbrains.com/idea/</a:t>
+            </a:r>
             <a:endParaRPr lang="en-US" sz="4800" dirty="0"/>
           </a:p>
           <a:p>
@@ -4156,16 +4909,42 @@
             </a:r>
             <a:r>
               <a:rPr lang="en-US" sz="4800" dirty="0" err="1"/>
-              <a:t>github.com</a:t>
+              <a:t>www.anaconda.com</a:t>
             </a:r>
             <a:r>
               <a:rPr lang="en-US" sz="4800" dirty="0"/>
               <a:t>/</a:t>
             </a:r>
+          </a:p>
+          <a:p>
+            <a:pPr marL="0" indent="0" algn="ctr">
+              <a:buNone/>
+            </a:pPr>
+            <a:r>
+              <a:rPr lang="en-US" sz="4800" dirty="0"/>
+              <a:t>https://</a:t>
+            </a:r>
             <a:r>
               <a:rPr lang="en-US" sz="4800" dirty="0" err="1"/>
-              <a:t>nbicocchi</a:t>
-            </a:r>
+              <a:t>www.jetbrains.com</a:t>
+            </a:r>
+            <a:r>
+              <a:rPr lang="en-US" sz="4800" dirty="0"/>
+              <a:t>/</a:t>
+            </a:r>
+            <a:r>
+              <a:rPr lang="en-US" sz="4800" dirty="0" err="1"/>
+              <a:t>pycharm</a:t>
+            </a:r>
+            <a:r>
+              <a:rPr lang="en-US" sz="4800" dirty="0"/>
+              <a:t>/</a:t>
+            </a:r>
+          </a:p>
+          <a:p>
+            <a:pPr marL="0" indent="0" algn="ctr">
+              <a:buNone/>
+            </a:pPr>
             <a:endParaRPr lang="en-US" sz="4800" dirty="0"/>
           </a:p>
           <a:p>
@@ -4283,7 +5062,7 @@
           <a:p>
             <a:r>
               <a:rPr lang="en-US" dirty="0"/>
-              <a:t>Friday 13 - 16 (Lab)</a:t>
+              <a:t>Friday 16 - 19 (Lab)</a:t>
             </a:r>
           </a:p>
           <a:p>
@@ -4579,6 +5358,433 @@
     <p:extLst>
       <p:ext uri="{BB962C8B-B14F-4D97-AF65-F5344CB8AC3E}">
         <p14:creationId xmlns:p14="http://schemas.microsoft.com/office/powerpoint/2010/main" val="2046390766"/>
+      </p:ext>
+    </p:extLst>
+  </p:cSld>
+  <p:clrMapOvr>
+    <a:masterClrMapping/>
+  </p:clrMapOvr>
+</p:sld>
+</file>
+
+<file path=ppt/slides/slide7.xml><?xml version="1.0" encoding="utf-8"?>
+<p:sld xmlns:a="http://schemas.openxmlformats.org/drawingml/2006/main" xmlns:r="http://schemas.openxmlformats.org/officeDocument/2006/relationships" xmlns:p="http://schemas.openxmlformats.org/presentationml/2006/main">
+  <p:cSld>
+    <p:spTree>
+      <p:nvGrpSpPr>
+        <p:cNvPr id="1" name=""/>
+        <p:cNvGrpSpPr/>
+        <p:nvPr/>
+      </p:nvGrpSpPr>
+      <p:grpSpPr>
+        <a:xfrm>
+          <a:off x="0" y="0"/>
+          <a:ext cx="0" cy="0"/>
+          <a:chOff x="0" y="0"/>
+          <a:chExt cx="0" cy="0"/>
+        </a:xfrm>
+      </p:grpSpPr>
+      <p:sp>
+        <p:nvSpPr>
+          <p:cNvPr id="2" name="Titolo 1"/>
+          <p:cNvSpPr>
+            <a:spLocks noGrp="1"/>
+          </p:cNvSpPr>
+          <p:nvPr>
+            <p:ph type="ctrTitle"/>
+          </p:nvPr>
+        </p:nvSpPr>
+        <p:spPr/>
+        <p:txBody>
+          <a:bodyPr>
+            <a:normAutofit/>
+          </a:bodyPr>
+          <a:lstStyle/>
+          <a:p>
+            <a:r>
+              <a:rPr lang="it-IT" dirty="0" err="1"/>
+              <a:t>IntelliJ</a:t>
+            </a:r>
+            <a:r>
+              <a:rPr lang="it-IT" dirty="0"/>
+              <a:t> Idea </a:t>
+            </a:r>
+            <a:r>
+              <a:rPr lang="it-IT" dirty="0" err="1"/>
+              <a:t>Configuration</a:t>
+            </a:r>
+            <a:endParaRPr lang="it-IT" dirty="0"/>
+          </a:p>
+        </p:txBody>
+      </p:sp>
+    </p:spTree>
+    <p:extLst>
+      <p:ext uri="{BB962C8B-B14F-4D97-AF65-F5344CB8AC3E}">
+        <p14:creationId xmlns:p14="http://schemas.microsoft.com/office/powerpoint/2010/main" val="3438488839"/>
+      </p:ext>
+    </p:extLst>
+  </p:cSld>
+  <p:clrMapOvr>
+    <a:masterClrMapping/>
+  </p:clrMapOvr>
+</p:sld>
+</file>
+
+<file path=ppt/slides/slide8.xml><?xml version="1.0" encoding="utf-8"?>
+<p:sld xmlns:a="http://schemas.openxmlformats.org/drawingml/2006/main" xmlns:r="http://schemas.openxmlformats.org/officeDocument/2006/relationships" xmlns:p="http://schemas.openxmlformats.org/presentationml/2006/main">
+  <p:cSld>
+    <p:spTree>
+      <p:nvGrpSpPr>
+        <p:cNvPr id="1" name=""/>
+        <p:cNvGrpSpPr/>
+        <p:nvPr/>
+      </p:nvGrpSpPr>
+      <p:grpSpPr>
+        <a:xfrm>
+          <a:off x="0" y="0"/>
+          <a:ext cx="0" cy="0"/>
+          <a:chOff x="0" y="0"/>
+          <a:chExt cx="0" cy="0"/>
+        </a:xfrm>
+      </p:grpSpPr>
+      <p:sp>
+        <p:nvSpPr>
+          <p:cNvPr id="7" name="Title 6">
+            <a:extLst>
+              <a:ext uri="{FF2B5EF4-FFF2-40B4-BE49-F238E27FC236}">
+                <a16:creationId xmlns:a16="http://schemas.microsoft.com/office/drawing/2014/main" id="{250CB851-08F5-4448-AC2B-CF8D2FACFF5B}"/>
+              </a:ext>
+            </a:extLst>
+          </p:cNvPr>
+          <p:cNvSpPr>
+            <a:spLocks noGrp="1"/>
+          </p:cNvSpPr>
+          <p:nvPr>
+            <p:ph type="title"/>
+          </p:nvPr>
+        </p:nvSpPr>
+        <p:spPr/>
+        <p:txBody>
+          <a:bodyPr/>
+          <a:lstStyle/>
+          <a:p>
+            <a:r>
+              <a:rPr lang="en-IT" dirty="0"/>
+              <a:t>Welcome to IntelliJ Idea</a:t>
+            </a:r>
+          </a:p>
+        </p:txBody>
+      </p:sp>
+      <p:sp>
+        <p:nvSpPr>
+          <p:cNvPr id="4" name="Slide Number Placeholder 3">
+            <a:extLst>
+              <a:ext uri="{FF2B5EF4-FFF2-40B4-BE49-F238E27FC236}">
+                <a16:creationId xmlns:a16="http://schemas.microsoft.com/office/drawing/2014/main" id="{ADF44040-4D8D-8944-B2B6-214D6A783775}"/>
+              </a:ext>
+            </a:extLst>
+          </p:cNvPr>
+          <p:cNvSpPr>
+            <a:spLocks noGrp="1"/>
+          </p:cNvSpPr>
+          <p:nvPr>
+            <p:ph type="sldNum" sz="quarter" idx="12"/>
+          </p:nvPr>
+        </p:nvSpPr>
+        <p:spPr/>
+        <p:txBody>
+          <a:bodyPr/>
+          <a:lstStyle/>
+          <a:p>
+            <a:fld id="{D2040F39-7941-49A4-B48D-F201B18B6351}" type="slidenum">
+              <a:rPr lang="it-IT" smtClean="0"/>
+              <a:pPr/>
+              <a:t>8</a:t>
+            </a:fld>
+            <a:endParaRPr lang="it-IT" dirty="0"/>
+          </a:p>
+        </p:txBody>
+      </p:sp>
+      <p:pic>
+        <p:nvPicPr>
+          <p:cNvPr id="13" name="Content Placeholder 12">
+            <a:extLst>
+              <a:ext uri="{FF2B5EF4-FFF2-40B4-BE49-F238E27FC236}">
+                <a16:creationId xmlns:a16="http://schemas.microsoft.com/office/drawing/2014/main" id="{5852DB3C-6014-D04C-BBFB-C2C31E176FA4}"/>
+              </a:ext>
+            </a:extLst>
+          </p:cNvPr>
+          <p:cNvPicPr>
+            <a:picLocks noGrp="1" noChangeAspect="1"/>
+          </p:cNvPicPr>
+          <p:nvPr>
+            <p:ph sz="half" idx="1"/>
+          </p:nvPr>
+        </p:nvPicPr>
+        <p:blipFill>
+          <a:blip r:embed="rId2">
+            <a:extLst>
+              <a:ext uri="{28A0092B-C50C-407E-A947-70E740481C1C}">
+                <a14:useLocalDpi xmlns:a14="http://schemas.microsoft.com/office/drawing/2010/main" val="0"/>
+              </a:ext>
+            </a:extLst>
+          </a:blip>
+          <a:stretch>
+            <a:fillRect/>
+          </a:stretch>
+        </p:blipFill>
+        <p:spPr>
+          <a:xfrm>
+            <a:off x="609600" y="1855181"/>
+            <a:ext cx="5384800" cy="4016001"/>
+          </a:xfrm>
+        </p:spPr>
+      </p:pic>
+      <p:pic>
+        <p:nvPicPr>
+          <p:cNvPr id="11" name="Content Placeholder 5">
+            <a:extLst>
+              <a:ext uri="{FF2B5EF4-FFF2-40B4-BE49-F238E27FC236}">
+                <a16:creationId xmlns:a16="http://schemas.microsoft.com/office/drawing/2014/main" id="{C759FA1D-25DB-4B4C-BC27-B86A2B077EB9}"/>
+              </a:ext>
+            </a:extLst>
+          </p:cNvPr>
+          <p:cNvPicPr>
+            <a:picLocks noGrp="1" noChangeAspect="1"/>
+          </p:cNvPicPr>
+          <p:nvPr>
+            <p:ph sz="half" idx="2"/>
+          </p:nvPr>
+        </p:nvPicPr>
+        <p:blipFill>
+          <a:blip r:embed="rId3">
+            <a:extLst>
+              <a:ext uri="{28A0092B-C50C-407E-A947-70E740481C1C}">
+                <a14:useLocalDpi xmlns:a14="http://schemas.microsoft.com/office/drawing/2010/main" val="0"/>
+              </a:ext>
+            </a:extLst>
+          </a:blip>
+          <a:stretch>
+            <a:fillRect/>
+          </a:stretch>
+        </p:blipFill>
+        <p:spPr>
+          <a:xfrm>
+            <a:off x="6197600" y="1849593"/>
+            <a:ext cx="5384800" cy="4027177"/>
+          </a:xfrm>
+        </p:spPr>
+      </p:pic>
+      <p:cxnSp>
+        <p:nvCxnSpPr>
+          <p:cNvPr id="15" name="Straight Arrow Connector 14">
+            <a:extLst>
+              <a:ext uri="{FF2B5EF4-FFF2-40B4-BE49-F238E27FC236}">
+                <a16:creationId xmlns:a16="http://schemas.microsoft.com/office/drawing/2014/main" id="{CACA4420-27D4-1446-832F-30706528A16D}"/>
+              </a:ext>
+            </a:extLst>
+          </p:cNvPr>
+          <p:cNvCxnSpPr>
+            <a:cxnSpLocks/>
+          </p:cNvCxnSpPr>
+          <p:nvPr/>
+        </p:nvCxnSpPr>
+        <p:spPr>
+          <a:xfrm flipV="1">
+            <a:off x="5303912" y="2420888"/>
+            <a:ext cx="0" cy="1728192"/>
+          </a:xfrm>
+          <a:prstGeom prst="straightConnector1">
+            <a:avLst/>
+          </a:prstGeom>
+          <a:ln w="9525" cap="flat" cmpd="sng" algn="ctr">
+            <a:solidFill>
+              <a:schemeClr val="accent6"/>
+            </a:solidFill>
+            <a:prstDash val="solid"/>
+            <a:round/>
+            <a:headEnd type="none" w="med" len="med"/>
+            <a:tailEnd type="arrow" w="med" len="med"/>
+          </a:ln>
+        </p:spPr>
+        <p:style>
+          <a:lnRef idx="0">
+            <a:scrgbClr r="0" g="0" b="0"/>
+          </a:lnRef>
+          <a:fillRef idx="0">
+            <a:scrgbClr r="0" g="0" b="0"/>
+          </a:fillRef>
+          <a:effectRef idx="0">
+            <a:scrgbClr r="0" g="0" b="0"/>
+          </a:effectRef>
+          <a:fontRef idx="minor">
+            <a:schemeClr val="tx1"/>
+          </a:fontRef>
+        </p:style>
+      </p:cxnSp>
+    </p:spTree>
+    <p:extLst>
+      <p:ext uri="{BB962C8B-B14F-4D97-AF65-F5344CB8AC3E}">
+        <p14:creationId xmlns:p14="http://schemas.microsoft.com/office/powerpoint/2010/main" val="3503335108"/>
+      </p:ext>
+    </p:extLst>
+  </p:cSld>
+  <p:clrMapOvr>
+    <a:masterClrMapping/>
+  </p:clrMapOvr>
+</p:sld>
+</file>
+
+<file path=ppt/slides/slide9.xml><?xml version="1.0" encoding="utf-8"?>
+<p:sld xmlns:a="http://schemas.openxmlformats.org/drawingml/2006/main" xmlns:r="http://schemas.openxmlformats.org/officeDocument/2006/relationships" xmlns:p="http://schemas.openxmlformats.org/presentationml/2006/main">
+  <p:cSld>
+    <p:spTree>
+      <p:nvGrpSpPr>
+        <p:cNvPr id="1" name=""/>
+        <p:cNvGrpSpPr/>
+        <p:nvPr/>
+      </p:nvGrpSpPr>
+      <p:grpSpPr>
+        <a:xfrm>
+          <a:off x="0" y="0"/>
+          <a:ext cx="0" cy="0"/>
+          <a:chOff x="0" y="0"/>
+          <a:chExt cx="0" cy="0"/>
+        </a:xfrm>
+      </p:grpSpPr>
+      <p:sp>
+        <p:nvSpPr>
+          <p:cNvPr id="2" name="Title 1">
+            <a:extLst>
+              <a:ext uri="{FF2B5EF4-FFF2-40B4-BE49-F238E27FC236}">
+                <a16:creationId xmlns:a16="http://schemas.microsoft.com/office/drawing/2014/main" id="{8C32CEB7-F546-D24A-AB0F-160877F2C9E1}"/>
+              </a:ext>
+            </a:extLst>
+          </p:cNvPr>
+          <p:cNvSpPr>
+            <a:spLocks noGrp="1"/>
+          </p:cNvSpPr>
+          <p:nvPr>
+            <p:ph type="title"/>
+          </p:nvPr>
+        </p:nvSpPr>
+        <p:spPr/>
+        <p:txBody>
+          <a:bodyPr>
+            <a:normAutofit/>
+          </a:bodyPr>
+          <a:lstStyle/>
+          <a:p>
+            <a:r>
+              <a:rPr lang="en-IT" sz="3200" dirty="0"/>
+              <a:t>File -&gt; Project Structure</a:t>
+            </a:r>
+          </a:p>
+        </p:txBody>
+      </p:sp>
+      <p:sp>
+        <p:nvSpPr>
+          <p:cNvPr id="4" name="Slide Number Placeholder 3">
+            <a:extLst>
+              <a:ext uri="{FF2B5EF4-FFF2-40B4-BE49-F238E27FC236}">
+                <a16:creationId xmlns:a16="http://schemas.microsoft.com/office/drawing/2014/main" id="{0304C8D3-80AB-384E-9C20-F57E99F7DB6E}"/>
+              </a:ext>
+            </a:extLst>
+          </p:cNvPr>
+          <p:cNvSpPr>
+            <a:spLocks noGrp="1"/>
+          </p:cNvSpPr>
+          <p:nvPr>
+            <p:ph type="sldNum" sz="quarter" idx="12"/>
+          </p:nvPr>
+        </p:nvSpPr>
+        <p:spPr/>
+        <p:txBody>
+          <a:bodyPr/>
+          <a:lstStyle/>
+          <a:p>
+            <a:fld id="{D2040F39-7941-49A4-B48D-F201B18B6351}" type="slidenum">
+              <a:rPr lang="it-IT" smtClean="0"/>
+              <a:pPr/>
+              <a:t>9</a:t>
+            </a:fld>
+            <a:endParaRPr lang="it-IT" dirty="0"/>
+          </a:p>
+        </p:txBody>
+      </p:sp>
+      <p:sp>
+        <p:nvSpPr>
+          <p:cNvPr id="9" name="Content Placeholder 8">
+            <a:extLst>
+              <a:ext uri="{FF2B5EF4-FFF2-40B4-BE49-F238E27FC236}">
+                <a16:creationId xmlns:a16="http://schemas.microsoft.com/office/drawing/2014/main" id="{ED8A4E69-D411-AA4B-96B3-99A5DC5BF02A}"/>
+              </a:ext>
+            </a:extLst>
+          </p:cNvPr>
+          <p:cNvSpPr>
+            <a:spLocks noGrp="1"/>
+          </p:cNvSpPr>
+          <p:nvPr>
+            <p:ph sz="half" idx="1"/>
+          </p:nvPr>
+        </p:nvSpPr>
+        <p:spPr/>
+        <p:txBody>
+          <a:bodyPr/>
+          <a:lstStyle/>
+          <a:p>
+            <a:r>
+              <a:rPr lang="en-IT" dirty="0"/>
+              <a:t>Download openjdk-17</a:t>
+            </a:r>
+          </a:p>
+          <a:p>
+            <a:r>
+              <a:rPr lang="en-IT" dirty="0"/>
+              <a:t>Select SDK: openjdk-17</a:t>
+            </a:r>
+          </a:p>
+        </p:txBody>
+      </p:sp>
+      <p:pic>
+        <p:nvPicPr>
+          <p:cNvPr id="10" name="Content Placeholder 5">
+            <a:extLst>
+              <a:ext uri="{FF2B5EF4-FFF2-40B4-BE49-F238E27FC236}">
+                <a16:creationId xmlns:a16="http://schemas.microsoft.com/office/drawing/2014/main" id="{07098301-A097-E34D-99DB-77C1AF0F5BBF}"/>
+              </a:ext>
+            </a:extLst>
+          </p:cNvPr>
+          <p:cNvPicPr>
+            <a:picLocks noGrp="1" noChangeAspect="1"/>
+          </p:cNvPicPr>
+          <p:nvPr>
+            <p:ph sz="half" idx="2"/>
+          </p:nvPr>
+        </p:nvPicPr>
+        <p:blipFill>
+          <a:blip r:embed="rId2">
+            <a:extLst>
+              <a:ext uri="{28A0092B-C50C-407E-A947-70E740481C1C}">
+                <a14:useLocalDpi xmlns:a14="http://schemas.microsoft.com/office/drawing/2010/main" val="0"/>
+              </a:ext>
+            </a:extLst>
+          </a:blip>
+          <a:stretch>
+            <a:fillRect/>
+          </a:stretch>
+        </p:blipFill>
+        <p:spPr>
+          <a:xfrm>
+            <a:off x="6197600" y="1972773"/>
+            <a:ext cx="5384800" cy="3780817"/>
+          </a:xfrm>
+        </p:spPr>
+      </p:pic>
+    </p:spTree>
+    <p:extLst>
+      <p:ext uri="{BB962C8B-B14F-4D97-AF65-F5344CB8AC3E}">
+        <p14:creationId xmlns:p14="http://schemas.microsoft.com/office/powerpoint/2010/main" val="201284833"/>
       </p:ext>
     </p:extLst>
   </p:cSld>
